--- a/Poster Doktorandentag_englisch.pptx
+++ b/Poster Doktorandentag_englisch.pptx
@@ -106,7 +106,7 @@
   </p:defaultTextStyle>
   <p:extLst>
     <p:ext uri="{EFAFB233-063F-42B5-8137-9DF3F51BA10A}">
-      <p15:sldGuideLst xmlns="" xmlns:p15="http://schemas.microsoft.com/office/powerpoint/2012/main">
+      <p15:sldGuideLst xmlns:p15="http://schemas.microsoft.com/office/powerpoint/2012/main" xmlns="">
         <p15:guide id="1" orient="horz" pos="13483">
           <p15:clr>
             <a:srgbClr val="A4A3A4"/>
@@ -302,7 +302,7 @@
           <a:p>
             <a:fld id="{97D3E074-0CB5-4F37-8241-C03793FE3BFA}" type="datetimeFigureOut">
               <a:rPr lang="de-DE" smtClean="0"/>
-              <a:t>21.10.2019</a:t>
+              <a:t>22.10.2019</a:t>
             </a:fld>
             <a:endParaRPr lang="de-DE" dirty="0"/>
           </a:p>
@@ -470,7 +470,7 @@
           <a:p>
             <a:fld id="{97D3E074-0CB5-4F37-8241-C03793FE3BFA}" type="datetimeFigureOut">
               <a:rPr lang="de-DE" smtClean="0"/>
-              <a:t>21.10.2019</a:t>
+              <a:t>22.10.2019</a:t>
             </a:fld>
             <a:endParaRPr lang="de-DE" dirty="0"/>
           </a:p>
@@ -648,7 +648,7 @@
           <a:p>
             <a:fld id="{97D3E074-0CB5-4F37-8241-C03793FE3BFA}" type="datetimeFigureOut">
               <a:rPr lang="de-DE" smtClean="0"/>
-              <a:t>21.10.2019</a:t>
+              <a:t>22.10.2019</a:t>
             </a:fld>
             <a:endParaRPr lang="de-DE" dirty="0"/>
           </a:p>
@@ -816,7 +816,7 @@
           <a:p>
             <a:fld id="{97D3E074-0CB5-4F37-8241-C03793FE3BFA}" type="datetimeFigureOut">
               <a:rPr lang="de-DE" smtClean="0"/>
-              <a:t>21.10.2019</a:t>
+              <a:t>22.10.2019</a:t>
             </a:fld>
             <a:endParaRPr lang="de-DE" dirty="0"/>
           </a:p>
@@ -1061,7 +1061,7 @@
           <a:p>
             <a:fld id="{97D3E074-0CB5-4F37-8241-C03793FE3BFA}" type="datetimeFigureOut">
               <a:rPr lang="de-DE" smtClean="0"/>
-              <a:t>21.10.2019</a:t>
+              <a:t>22.10.2019</a:t>
             </a:fld>
             <a:endParaRPr lang="de-DE" dirty="0"/>
           </a:p>
@@ -1346,7 +1346,7 @@
           <a:p>
             <a:fld id="{97D3E074-0CB5-4F37-8241-C03793FE3BFA}" type="datetimeFigureOut">
               <a:rPr lang="de-DE" smtClean="0"/>
-              <a:t>21.10.2019</a:t>
+              <a:t>22.10.2019</a:t>
             </a:fld>
             <a:endParaRPr lang="de-DE" dirty="0"/>
           </a:p>
@@ -1765,7 +1765,7 @@
           <a:p>
             <a:fld id="{97D3E074-0CB5-4F37-8241-C03793FE3BFA}" type="datetimeFigureOut">
               <a:rPr lang="de-DE" smtClean="0"/>
-              <a:t>21.10.2019</a:t>
+              <a:t>22.10.2019</a:t>
             </a:fld>
             <a:endParaRPr lang="de-DE" dirty="0"/>
           </a:p>
@@ -1882,7 +1882,7 @@
           <a:p>
             <a:fld id="{97D3E074-0CB5-4F37-8241-C03793FE3BFA}" type="datetimeFigureOut">
               <a:rPr lang="de-DE" smtClean="0"/>
-              <a:t>21.10.2019</a:t>
+              <a:t>22.10.2019</a:t>
             </a:fld>
             <a:endParaRPr lang="de-DE" dirty="0"/>
           </a:p>
@@ -1977,7 +1977,7 @@
           <a:p>
             <a:fld id="{97D3E074-0CB5-4F37-8241-C03793FE3BFA}" type="datetimeFigureOut">
               <a:rPr lang="de-DE" smtClean="0"/>
-              <a:t>21.10.2019</a:t>
+              <a:t>22.10.2019</a:t>
             </a:fld>
             <a:endParaRPr lang="de-DE" dirty="0"/>
           </a:p>
@@ -2252,7 +2252,7 @@
           <a:p>
             <a:fld id="{97D3E074-0CB5-4F37-8241-C03793FE3BFA}" type="datetimeFigureOut">
               <a:rPr lang="de-DE" smtClean="0"/>
-              <a:t>21.10.2019</a:t>
+              <a:t>22.10.2019</a:t>
             </a:fld>
             <a:endParaRPr lang="de-DE" dirty="0"/>
           </a:p>
@@ -2504,7 +2504,7 @@
           <a:p>
             <a:fld id="{97D3E074-0CB5-4F37-8241-C03793FE3BFA}" type="datetimeFigureOut">
               <a:rPr lang="de-DE" smtClean="0"/>
-              <a:t>21.10.2019</a:t>
+              <a:t>22.10.2019</a:t>
             </a:fld>
             <a:endParaRPr lang="de-DE" dirty="0"/>
           </a:p>
@@ -2733,7 +2733,7 @@
           <a:p>
             <a:fld id="{97D3E074-0CB5-4F37-8241-C03793FE3BFA}" type="datetimeFigureOut">
               <a:rPr lang="de-DE" smtClean="0"/>
-              <a:t>21.10.2019</a:t>
+              <a:t>22.10.2019</a:t>
             </a:fld>
             <a:endParaRPr lang="de-DE" dirty="0"/>
           </a:p>
@@ -5003,7 +5003,7 @@
           <p:cNvPr id="2" name="Rechteck 1">
             <a:extLst>
               <a:ext uri="{FF2B5EF4-FFF2-40B4-BE49-F238E27FC236}">
-                <a16:creationId xmlns="" xmlns:a16="http://schemas.microsoft.com/office/drawing/2014/main" id="{1880F7FF-10DF-4EE5-9B2D-9F2CB3806D10}"/>
+                <a16:creationId xmlns:a16="http://schemas.microsoft.com/office/drawing/2014/main" xmlns="" id="{1880F7FF-10DF-4EE5-9B2D-9F2CB3806D10}"/>
               </a:ext>
             </a:extLst>
           </p:cNvPr>
@@ -5093,7 +5093,7 @@
           <p:cNvPr id="3" name="Rechteck 2">
             <a:extLst>
               <a:ext uri="{FF2B5EF4-FFF2-40B4-BE49-F238E27FC236}">
-                <a16:creationId xmlns="" xmlns:a16="http://schemas.microsoft.com/office/drawing/2014/main" id="{AA1A539B-C529-443D-AC45-8861F749813F}"/>
+                <a16:creationId xmlns:a16="http://schemas.microsoft.com/office/drawing/2014/main" xmlns="" id="{AA1A539B-C529-443D-AC45-8861F749813F}"/>
               </a:ext>
             </a:extLst>
           </p:cNvPr>
@@ -5393,7 +5393,7 @@
           <p:cNvPr id="95" name="Rechteck 94">
             <a:extLst>
               <a:ext uri="{FF2B5EF4-FFF2-40B4-BE49-F238E27FC236}">
-                <a16:creationId xmlns="" xmlns:a16="http://schemas.microsoft.com/office/drawing/2014/main" id="{6E4C0A0D-F939-4597-BAC6-DEF83923F623}"/>
+                <a16:creationId xmlns:a16="http://schemas.microsoft.com/office/drawing/2014/main" xmlns="" id="{6E4C0A0D-F939-4597-BAC6-DEF83923F623}"/>
               </a:ext>
             </a:extLst>
           </p:cNvPr>
@@ -5498,7 +5498,15 @@
             <a:pPr algn="just"/>
             <a:r>
               <a:rPr lang="en-US" sz="2000" dirty="0"/>
-              <a:t>The aim is to carry out environmental measurements in the interior. It introduces the environmentally relevant substances particulate matter, TVOC (Total Volatile Organic Compounds) and CO2, as an indicator of TVOC, as well as their health effects on human </a:t>
+              <a:t>The aim is to carry out environmental measurements in the interior. It introduces the environmentally relevant substances particulate matter, TVOC (Total Volatile Organic Compounds) and CO</a:t>
+            </a:r>
+            <a:r>
+              <a:rPr lang="en-US" sz="2000" baseline="-25000" dirty="0"/>
+              <a:t>2</a:t>
+            </a:r>
+            <a:r>
+              <a:rPr lang="en-US" sz="2000" dirty="0"/>
+              <a:t>, as an indicator of TVOC, as well as their health effects on human </a:t>
             </a:r>
             <a:r>
               <a:rPr lang="en-US" sz="2000" dirty="0" smtClean="0"/>
@@ -5600,7 +5608,11 @@
             </a:r>
             <a:r>
               <a:rPr lang="de-DE" sz="2000" i="1" dirty="0" smtClean="0"/>
-              <a:t> Matter</a:t>
+              <a:t> </a:t>
+            </a:r>
+            <a:r>
+              <a:rPr lang="de-DE" sz="2000" i="1" dirty="0" smtClean="0"/>
+              <a:t>Matter</a:t>
             </a:r>
             <a:endParaRPr lang="de-DE" sz="2400" i="1" dirty="0"/>
           </a:p>
@@ -5743,7 +5755,7 @@
         <p:spPr>
           <a:xfrm>
             <a:off x="2940333" y="34407810"/>
-            <a:ext cx="3710191" cy="1631216"/>
+            <a:ext cx="3710191" cy="400110"/>
           </a:xfrm>
           <a:prstGeom prst="rect">
             <a:avLst/>
@@ -5771,17 +5783,6 @@
             </a:r>
             <a:endParaRPr lang="de-DE" sz="2000" i="1" dirty="0" smtClean="0"/>
           </a:p>
-          <a:p>
-            <a:pPr algn="just"/>
-            <a:r>
-              <a:rPr lang="en-US" sz="2000" dirty="0" smtClean="0"/>
-              <a:t>Paints</a:t>
-            </a:r>
-            <a:r>
-              <a:rPr lang="en-US" sz="2000" dirty="0"/>
-              <a:t>, felt-tip pens, floor coverings or adhesives. Many products contain harmful substances.</a:t>
-            </a:r>
-          </a:p>
         </p:txBody>
       </p:sp>
       <p:sp>
@@ -5793,7 +5794,7 @@
         <p:spPr>
           <a:xfrm>
             <a:off x="8473736" y="34423738"/>
-            <a:ext cx="2668968" cy="1723549"/>
+            <a:ext cx="2668968" cy="492443"/>
           </a:xfrm>
           <a:prstGeom prst="rect">
             <a:avLst/>
@@ -5830,17 +5831,6 @@
             <a:r>
               <a:rPr lang="de-DE" sz="600" dirty="0"/>
               <a:t> </a:t>
-            </a:r>
-          </a:p>
-          <a:p>
-            <a:pPr algn="just"/>
-            <a:r>
-              <a:rPr lang="en-US" sz="2000" dirty="0" smtClean="0"/>
-              <a:t>The </a:t>
-            </a:r>
-            <a:r>
-              <a:rPr lang="en-US" sz="2000" dirty="0"/>
-              <a:t>most effective way to maintain good indoor air quality is to ventilate regularly.</a:t>
             </a:r>
           </a:p>
         </p:txBody>
@@ -5949,7 +5939,7 @@
         </p:nvSpPr>
         <p:spPr>
           <a:xfrm>
-            <a:off x="2933002" y="35946449"/>
+            <a:off x="2891137" y="35782355"/>
             <a:ext cx="5274300" cy="1015663"/>
           </a:xfrm>
           <a:prstGeom prst="rect">
@@ -5963,6 +5953,7 @@
           </a:bodyPr>
           <a:lstStyle/>
           <a:p>
+            <a:pPr algn="just"/>
             <a:r>
               <a:rPr lang="en-US" sz="2000" dirty="0" smtClean="0"/>
               <a:t>But </a:t>
@@ -5977,8 +5968,21 @@
             </a:r>
             <a:r>
               <a:rPr lang="en-US" sz="2000" dirty="0"/>
-              <a:t>and health harmless alternatives.</a:t>
-            </a:r>
+              <a:t>and health </a:t>
+            </a:r>
+            <a:r>
+              <a:rPr lang="en-US" sz="2000" dirty="0" smtClean="0"/>
+              <a:t>harmless</a:t>
+            </a:r>
+            <a:r>
+              <a:rPr lang="en-US" sz="2000" dirty="0" smtClean="0"/>
+              <a:t>. </a:t>
+            </a:r>
+            <a:r>
+              <a:rPr lang="en-US" sz="2000" dirty="0"/>
+              <a:t>alternatives</a:t>
+            </a:r>
+            <a:endParaRPr lang="en-US" sz="2000" dirty="0"/>
           </a:p>
           <a:p>
             <a:endParaRPr lang="de-DE" sz="2000" dirty="0"/>
@@ -5990,7 +5994,7 @@
           <p:cNvPr id="13" name="Rechteck 12">
             <a:extLst>
               <a:ext uri="{FF2B5EF4-FFF2-40B4-BE49-F238E27FC236}">
-                <a16:creationId xmlns="" xmlns:a16="http://schemas.microsoft.com/office/drawing/2014/main" id="{CAFC0BEF-CA38-4D02-BF61-346337F923BE}"/>
+                <a16:creationId xmlns:a16="http://schemas.microsoft.com/office/drawing/2014/main" xmlns="" id="{CAFC0BEF-CA38-4D02-BF61-346337F923BE}"/>
               </a:ext>
             </a:extLst>
           </p:cNvPr>
@@ -6274,7 +6278,7 @@
           <p:cNvPr id="105" name="Rechteck 104">
             <a:extLst>
               <a:ext uri="{FF2B5EF4-FFF2-40B4-BE49-F238E27FC236}">
-                <a16:creationId xmlns="" xmlns:a16="http://schemas.microsoft.com/office/drawing/2014/main" id="{47D597BE-B4D3-421F-9622-B242DCEA6693}"/>
+                <a16:creationId xmlns:a16="http://schemas.microsoft.com/office/drawing/2014/main" xmlns="" id="{47D597BE-B4D3-421F-9622-B242DCEA6693}"/>
               </a:ext>
             </a:extLst>
           </p:cNvPr>
@@ -6327,7 +6331,7 @@
         <p:spPr>
           <a:xfrm>
             <a:off x="16295967" y="16405726"/>
-            <a:ext cx="7056000" cy="3570208"/>
+            <a:ext cx="7056000" cy="3877985"/>
           </a:xfrm>
           <a:prstGeom prst="rect">
             <a:avLst/>
@@ -6366,14 +6370,18 @@
             </a:r>
             <a:r>
               <a:rPr lang="en-US" sz="2000" dirty="0"/>
-              <a:t>, a "</a:t>
-            </a:r>
-            <a:r>
-              <a:rPr lang="en-US" sz="2000" dirty="0" err="1"/>
+              <a:t>, </a:t>
+            </a:r>
+            <a:r>
+              <a:rPr lang="en-US" sz="2000" dirty="0" smtClean="0"/>
+              <a:t>project for a national student competition, called “</a:t>
+            </a:r>
+            <a:r>
+              <a:rPr lang="en-US" sz="2000" dirty="0" err="1" smtClean="0"/>
               <a:t>Jugend</a:t>
             </a:r>
             <a:r>
-              <a:rPr lang="en-US" sz="2000" dirty="0"/>
+              <a:rPr lang="en-US" sz="2000" dirty="0" smtClean="0"/>
               <a:t> </a:t>
             </a:r>
             <a:r>
@@ -6381,12 +6389,8 @@
               <a:t>forscht</a:t>
             </a:r>
             <a:r>
-              <a:rPr lang="en-US" sz="2000" dirty="0"/>
-              <a:t>" </a:t>
-            </a:r>
-            <a:r>
               <a:rPr lang="en-US" sz="2000" dirty="0" smtClean="0"/>
-              <a:t>project was </a:t>
+              <a:t>”, was </a:t>
             </a:r>
             <a:r>
               <a:rPr lang="en-US" sz="2000" dirty="0"/>
@@ -6656,7 +6660,7 @@
           <p:cNvPr id="106" name="Rechteck 105">
             <a:extLst>
               <a:ext uri="{FF2B5EF4-FFF2-40B4-BE49-F238E27FC236}">
-                <a16:creationId xmlns="" xmlns:a16="http://schemas.microsoft.com/office/drawing/2014/main" id="{07E0B696-6DE7-41BB-8D69-079DAFAA4B80}"/>
+                <a16:creationId xmlns:a16="http://schemas.microsoft.com/office/drawing/2014/main" xmlns="" id="{07E0B696-6DE7-41BB-8D69-079DAFAA4B80}"/>
               </a:ext>
             </a:extLst>
           </p:cNvPr>
@@ -6809,67 +6813,10 @@
       </p:pic>
       <p:sp>
         <p:nvSpPr>
-          <p:cNvPr id="144" name="Textfeld 143"/>
-          <p:cNvSpPr txBox="1"/>
-          <p:nvPr/>
-        </p:nvSpPr>
-        <p:spPr>
-          <a:xfrm>
-            <a:off x="19973039" y="29380428"/>
-            <a:ext cx="7273402" cy="2646878"/>
-          </a:xfrm>
-          <a:prstGeom prst="rect">
-            <a:avLst/>
-          </a:prstGeom>
-          <a:noFill/>
-        </p:spPr>
-        <p:txBody>
-          <a:bodyPr wrap="square" rtlCol="0">
-            <a:spAutoFit/>
-          </a:bodyPr>
-          <a:lstStyle/>
-          <a:p>
-            <a:pPr algn="just"/>
-            <a:r>
-              <a:rPr lang="de-DE" sz="2000" b="1" dirty="0" err="1" smtClean="0"/>
-              <a:t>Results</a:t>
-            </a:r>
-            <a:endParaRPr lang="de-DE" sz="2000" b="1" dirty="0"/>
-          </a:p>
-          <a:p>
-            <a:pPr algn="just"/>
-            <a:r>
-              <a:rPr lang="de-DE" sz="600" b="1" dirty="0"/>
-              <a:t> </a:t>
-            </a:r>
-          </a:p>
-          <a:p>
-            <a:pPr algn="just"/>
-            <a:r>
-              <a:rPr lang="en-US" sz="2000" dirty="0" smtClean="0"/>
-              <a:t>In </a:t>
-            </a:r>
-            <a:r>
-              <a:rPr lang="en-US" sz="2000" dirty="0"/>
-              <a:t>the test the two sensors SGP30 of the company "Sensirion" and CCS811 of the company "</a:t>
-            </a:r>
-            <a:r>
-              <a:rPr lang="en-US" sz="2000" dirty="0" err="1"/>
-              <a:t>ams</a:t>
-            </a:r>
-            <a:r>
-              <a:rPr lang="en-US" sz="2000" dirty="0"/>
-              <a:t>" were used. In the evaluation, a significant decrease in the gas concentration was found in the comparison of the two measuring chambers, which, however, took different amounts of time depending on the type of pollutant. As an example, the course of the acetone concentration in the two measuring chambers, with (blue) or without (orange) plants to see.</a:t>
-            </a:r>
-          </a:p>
-        </p:txBody>
-      </p:sp>
-      <p:sp>
-        <p:nvSpPr>
           <p:cNvPr id="14" name="Textfeld 13">
             <a:extLst>
               <a:ext uri="{FF2B5EF4-FFF2-40B4-BE49-F238E27FC236}">
-                <a16:creationId xmlns="" xmlns:a16="http://schemas.microsoft.com/office/drawing/2014/main" id="{4069B199-1ED7-44AE-9430-826F6929E0F6}"/>
+                <a16:creationId xmlns:a16="http://schemas.microsoft.com/office/drawing/2014/main" xmlns="" id="{4069B199-1ED7-44AE-9430-826F6929E0F6}"/>
               </a:ext>
             </a:extLst>
           </p:cNvPr>
@@ -7053,7 +7000,7 @@
           <p:cNvPr id="109" name="Rechteck 108">
             <a:extLst>
               <a:ext uri="{FF2B5EF4-FFF2-40B4-BE49-F238E27FC236}">
-                <a16:creationId xmlns="" xmlns:a16="http://schemas.microsoft.com/office/drawing/2014/main" id="{2C36DA58-1095-44B6-A237-A985CA82A382}"/>
+                <a16:creationId xmlns:a16="http://schemas.microsoft.com/office/drawing/2014/main" xmlns="" id="{2C36DA58-1095-44B6-A237-A985CA82A382}"/>
               </a:ext>
             </a:extLst>
           </p:cNvPr>
@@ -7167,8 +7114,8 @@
         </p:nvSpPr>
         <p:spPr>
           <a:xfrm>
-            <a:off x="16343680" y="35291595"/>
-            <a:ext cx="10660553" cy="1415772"/>
+            <a:off x="16343680" y="35152932"/>
+            <a:ext cx="10795752" cy="1415772"/>
           </a:xfrm>
           <a:prstGeom prst="rect">
             <a:avLst/>
@@ -7260,7 +7207,7 @@
         </p:blipFill>
         <p:spPr bwMode="auto">
           <a:xfrm>
-            <a:off x="23649192" y="33572069"/>
+            <a:off x="23584913" y="33392380"/>
             <a:ext cx="3490240" cy="2062715"/>
           </a:xfrm>
           <a:prstGeom prst="rect">
@@ -7283,7 +7230,7 @@
           <p:cNvPr id="115" name="Rechteck 114">
             <a:extLst>
               <a:ext uri="{FF2B5EF4-FFF2-40B4-BE49-F238E27FC236}">
-                <a16:creationId xmlns="" xmlns:a16="http://schemas.microsoft.com/office/drawing/2014/main" id="{43798406-D3EA-4F44-AA55-169441B05A33}"/>
+                <a16:creationId xmlns:a16="http://schemas.microsoft.com/office/drawing/2014/main" xmlns="" id="{43798406-D3EA-4F44-AA55-169441B05A33}"/>
               </a:ext>
             </a:extLst>
           </p:cNvPr>
@@ -7337,7 +7284,7 @@
           <p:cNvPr id="116" name="Rechteck 115">
             <a:extLst>
               <a:ext uri="{FF2B5EF4-FFF2-40B4-BE49-F238E27FC236}">
-                <a16:creationId xmlns="" xmlns:a16="http://schemas.microsoft.com/office/drawing/2014/main" id="{C09821F3-BC15-4F87-B341-EDE240728EEC}"/>
+                <a16:creationId xmlns:a16="http://schemas.microsoft.com/office/drawing/2014/main" xmlns="" id="{C09821F3-BC15-4F87-B341-EDE240728EEC}"/>
               </a:ext>
             </a:extLst>
           </p:cNvPr>
@@ -7391,7 +7338,7 @@
           <p:cNvPr id="20" name="Rechteck 19">
             <a:extLst>
               <a:ext uri="{FF2B5EF4-FFF2-40B4-BE49-F238E27FC236}">
-                <a16:creationId xmlns="" xmlns:a16="http://schemas.microsoft.com/office/drawing/2014/main" id="{4AA437C5-5A53-46AA-81A7-3D16E705D575}"/>
+                <a16:creationId xmlns:a16="http://schemas.microsoft.com/office/drawing/2014/main" xmlns="" id="{4AA437C5-5A53-46AA-81A7-3D16E705D575}"/>
               </a:ext>
             </a:extLst>
           </p:cNvPr>
@@ -7745,7 +7692,7 @@
       </p:pic>
       <p:pic>
         <p:nvPicPr>
-          <p:cNvPr id="1035" name="Picture 11"/>
+          <p:cNvPr id="6" name="Picture 2" descr="C:\Users\Sebastian Höfner\Desktop\fan_englisch.png"/>
           <p:cNvPicPr>
             <a:picLocks noChangeAspect="1" noChangeArrowheads="1"/>
           </p:cNvPicPr>
@@ -7753,60 +7700,6 @@
         </p:nvPicPr>
         <p:blipFill>
           <a:blip r:embed="rId22" cstate="print">
-            <a:extLst>
-              <a:ext uri="{28A0092B-C50C-407E-A947-70E740481C1C}">
-                <a14:useLocalDpi xmlns:a14="http://schemas.microsoft.com/office/drawing/2010/main" val="0"/>
-              </a:ext>
-            </a:extLst>
-          </a:blip>
-          <a:srcRect/>
-          <a:stretch>
-            <a:fillRect/>
-          </a:stretch>
-        </p:blipFill>
-        <p:spPr bwMode="auto">
-          <a:xfrm>
-            <a:off x="16340459" y="29598018"/>
-            <a:ext cx="3632580" cy="2429288"/>
-          </a:xfrm>
-          <a:prstGeom prst="rect">
-            <a:avLst/>
-          </a:prstGeom>
-          <a:noFill/>
-          <a:ln>
-            <a:noFill/>
-          </a:ln>
-          <a:extLst>
-            <a:ext uri="{909E8E84-426E-40DD-AFC4-6F175D3DCCD1}">
-              <a14:hiddenFill xmlns:a14="http://schemas.microsoft.com/office/drawing/2010/main">
-                <a:solidFill>
-                  <a:schemeClr val="accent1"/>
-                </a:solidFill>
-              </a14:hiddenFill>
-            </a:ext>
-            <a:ext uri="{91240B29-F687-4F45-9708-019B960494DF}">
-              <a14:hiddenLine xmlns:a14="http://schemas.microsoft.com/office/drawing/2010/main" w="9525">
-                <a:solidFill>
-                  <a:schemeClr val="tx1"/>
-                </a:solidFill>
-                <a:miter lim="800000"/>
-                <a:headEnd/>
-                <a:tailEnd/>
-              </a14:hiddenLine>
-            </a:ext>
-          </a:extLst>
-        </p:spPr>
-      </p:pic>
-      <p:pic>
-        <p:nvPicPr>
-          <p:cNvPr id="6" name="Picture 2" descr="C:\Users\Sebastian Höfner\Desktop\fan_englisch.png"/>
-          <p:cNvPicPr>
-            <a:picLocks noChangeAspect="1" noChangeArrowheads="1"/>
-          </p:cNvPicPr>
-          <p:nvPr/>
-        </p:nvPicPr>
-        <p:blipFill>
-          <a:blip r:embed="rId23" cstate="print">
             <a:extLst>
               <a:ext uri="{28A0092B-C50C-407E-A947-70E740481C1C}">
                 <a14:useLocalDpi xmlns:a14="http://schemas.microsoft.com/office/drawing/2010/main" val="0"/>
@@ -7879,7 +7772,7 @@
           <p:nvPr/>
         </p:nvPicPr>
         <p:blipFill>
-          <a:blip r:embed="rId24">
+          <a:blip r:embed="rId23">
             <a:extLst>
               <a:ext uri="{28A0092B-C50C-407E-A947-70E740481C1C}">
                 <a14:useLocalDpi xmlns:a14="http://schemas.microsoft.com/office/drawing/2010/main" val="0"/>
@@ -7920,7 +7813,7 @@
           <p:nvPr/>
         </p:nvPicPr>
         <p:blipFill>
-          <a:blip r:embed="rId25" cstate="print">
+          <a:blip r:embed="rId24" cstate="print">
             <a:extLst>
               <a:ext uri="{28A0092B-C50C-407E-A947-70E740481C1C}">
                 <a14:useLocalDpi xmlns:a14="http://schemas.microsoft.com/office/drawing/2010/main" val="0"/>
@@ -8018,7 +7911,7 @@
           <p:nvPr/>
         </p:nvPicPr>
         <p:blipFill>
-          <a:blip r:embed="rId26">
+          <a:blip r:embed="rId25">
             <a:extLst>
               <a:ext uri="{28A0092B-C50C-407E-A947-70E740481C1C}">
                 <a14:useLocalDpi xmlns:a14="http://schemas.microsoft.com/office/drawing/2010/main" val="0"/>
@@ -8059,7 +7952,7 @@
           <p:nvPr/>
         </p:nvPicPr>
         <p:blipFill>
-          <a:blip r:embed="rId27" cstate="print">
+          <a:blip r:embed="rId26" cstate="print">
             <a:extLst>
               <a:ext uri="{28A0092B-C50C-407E-A947-70E740481C1C}">
                 <a14:useLocalDpi xmlns:a14="http://schemas.microsoft.com/office/drawing/2010/main" val="0"/>
@@ -8151,6 +8044,112 @@
           <p:nvPr/>
         </p:nvPicPr>
         <p:blipFill>
+          <a:blip r:embed="rId27">
+            <a:extLst>
+              <a:ext uri="{28A0092B-C50C-407E-A947-70E740481C1C}">
+                <a14:useLocalDpi xmlns:a14="http://schemas.microsoft.com/office/drawing/2010/main" val="0"/>
+              </a:ext>
+            </a:extLst>
+          </a:blip>
+          <a:srcRect/>
+          <a:stretch>
+            <a:fillRect/>
+          </a:stretch>
+        </p:blipFill>
+        <p:spPr bwMode="auto">
+          <a:xfrm>
+            <a:off x="23484959" y="22708447"/>
+            <a:ext cx="3585882" cy="2850606"/>
+          </a:xfrm>
+          <a:prstGeom prst="rect">
+            <a:avLst/>
+          </a:prstGeom>
+          <a:noFill/>
+          <a:extLst>
+            <a:ext uri="{909E8E84-426E-40DD-AFC4-6F175D3DCCD1}">
+              <a14:hiddenFill xmlns:a14="http://schemas.microsoft.com/office/drawing/2010/main">
+                <a:solidFill>
+                  <a:srgbClr val="FFFFFF"/>
+                </a:solidFill>
+              </a14:hiddenFill>
+            </a:ext>
+          </a:extLst>
+        </p:spPr>
+      </p:pic>
+      <p:sp>
+        <p:nvSpPr>
+          <p:cNvPr id="5" name="Textfeld 4"/>
+          <p:cNvSpPr txBox="1"/>
+          <p:nvPr/>
+        </p:nvSpPr>
+        <p:spPr>
+          <a:xfrm>
+            <a:off x="2920118" y="34872794"/>
+            <a:ext cx="3825083" cy="1323439"/>
+          </a:xfrm>
+          <a:prstGeom prst="rect">
+            <a:avLst/>
+          </a:prstGeom>
+          <a:noFill/>
+        </p:spPr>
+        <p:txBody>
+          <a:bodyPr wrap="square" rtlCol="0">
+            <a:spAutoFit/>
+          </a:bodyPr>
+          <a:lstStyle/>
+          <a:p>
+            <a:r>
+              <a:rPr lang="en-US" sz="2000" dirty="0"/>
+              <a:t>Paints, felt-tip pens, floor coverings or adhesives. Many products contain harmful substances.</a:t>
+            </a:r>
+          </a:p>
+          <a:p>
+            <a:endParaRPr lang="de-DE" sz="2000" dirty="0"/>
+          </a:p>
+        </p:txBody>
+      </p:sp>
+      <p:sp>
+        <p:nvSpPr>
+          <p:cNvPr id="10" name="Textfeld 9"/>
+          <p:cNvSpPr txBox="1"/>
+          <p:nvPr/>
+        </p:nvSpPr>
+        <p:spPr>
+          <a:xfrm>
+            <a:off x="8473736" y="34872794"/>
+            <a:ext cx="2608119" cy="1631216"/>
+          </a:xfrm>
+          <a:prstGeom prst="rect">
+            <a:avLst/>
+          </a:prstGeom>
+          <a:noFill/>
+        </p:spPr>
+        <p:txBody>
+          <a:bodyPr wrap="square" rtlCol="0">
+            <a:spAutoFit/>
+          </a:bodyPr>
+          <a:lstStyle/>
+          <a:p>
+            <a:pPr algn="just"/>
+            <a:r>
+              <a:rPr lang="en-US" sz="2000" dirty="0"/>
+              <a:t>The most effective way to maintain good indoor air quality is to ventilate regularly.</a:t>
+            </a:r>
+          </a:p>
+          <a:p>
+            <a:endParaRPr lang="de-DE" sz="2000" dirty="0"/>
+          </a:p>
+        </p:txBody>
+      </p:sp>
+      <p:pic>
+        <p:nvPicPr>
+          <p:cNvPr id="11" name="Picture 2" descr="C:\Users\Sebastian Höfner\Desktop\Acetone_plants.png"/>
+          <p:cNvPicPr>
+            <a:picLocks noChangeAspect="1" noChangeArrowheads="1"/>
+          </p:cNvPicPr>
+          <p:nvPr/>
+        </p:nvPicPr>
+        <p:blipFill>
           <a:blip r:embed="rId28">
             <a:extLst>
               <a:ext uri="{28A0092B-C50C-407E-A947-70E740481C1C}">
@@ -8165,8 +8164,8 @@
         </p:blipFill>
         <p:spPr bwMode="auto">
           <a:xfrm>
-            <a:off x="23484959" y="22708447"/>
-            <a:ext cx="3585882" cy="2850606"/>
+            <a:off x="16295464" y="29220890"/>
+            <a:ext cx="3975093" cy="2828712"/>
           </a:xfrm>
           <a:prstGeom prst="rect">
             <a:avLst/>
@@ -8183,6 +8182,63 @@
           </a:extLst>
         </p:spPr>
       </p:pic>
+      <p:sp>
+        <p:nvSpPr>
+          <p:cNvPr id="144" name="Textfeld 143"/>
+          <p:cNvSpPr txBox="1"/>
+          <p:nvPr/>
+        </p:nvSpPr>
+        <p:spPr>
+          <a:xfrm>
+            <a:off x="19973039" y="29380428"/>
+            <a:ext cx="7273402" cy="2646878"/>
+          </a:xfrm>
+          <a:prstGeom prst="rect">
+            <a:avLst/>
+          </a:prstGeom>
+          <a:noFill/>
+        </p:spPr>
+        <p:txBody>
+          <a:bodyPr wrap="square" rtlCol="0">
+            <a:spAutoFit/>
+          </a:bodyPr>
+          <a:lstStyle/>
+          <a:p>
+            <a:pPr algn="just"/>
+            <a:r>
+              <a:rPr lang="de-DE" sz="2000" b="1" dirty="0" err="1" smtClean="0"/>
+              <a:t>Results</a:t>
+            </a:r>
+            <a:endParaRPr lang="de-DE" sz="2000" b="1" dirty="0"/>
+          </a:p>
+          <a:p>
+            <a:pPr algn="just"/>
+            <a:r>
+              <a:rPr lang="de-DE" sz="600" b="1" dirty="0"/>
+              <a:t> </a:t>
+            </a:r>
+          </a:p>
+          <a:p>
+            <a:pPr algn="just"/>
+            <a:r>
+              <a:rPr lang="en-US" sz="2000" dirty="0" smtClean="0"/>
+              <a:t>In </a:t>
+            </a:r>
+            <a:r>
+              <a:rPr lang="en-US" sz="2000" dirty="0"/>
+              <a:t>the test the two sensors SGP30 of the company "Sensirion" and CCS811 of the company "</a:t>
+            </a:r>
+            <a:r>
+              <a:rPr lang="en-US" sz="2000" dirty="0" err="1"/>
+              <a:t>ams</a:t>
+            </a:r>
+            <a:r>
+              <a:rPr lang="en-US" sz="2000" dirty="0"/>
+              <a:t>" were used. In the evaluation, a significant decrease in the gas concentration was found in the comparison of the two measuring chambers, which, however, took different amounts of time depending on the type of pollutant. As an example, the course of the acetone concentration in the two measuring chambers, with (blue) or without (orange) plants to see.</a:t>
+            </a:r>
+          </a:p>
+        </p:txBody>
+      </p:sp>
     </p:spTree>
     <p:extLst>
       <p:ext uri="{BB962C8B-B14F-4D97-AF65-F5344CB8AC3E}">

--- a/Poster Doktorandentag_englisch.pptx
+++ b/Poster Doktorandentag_englisch.pptx
@@ -106,7 +106,7 @@
   </p:defaultTextStyle>
   <p:extLst>
     <p:ext uri="{EFAFB233-063F-42B5-8137-9DF3F51BA10A}">
-      <p15:sldGuideLst xmlns:p15="http://schemas.microsoft.com/office/powerpoint/2012/main" xmlns="">
+      <p15:sldGuideLst xmlns="" xmlns:p15="http://schemas.microsoft.com/office/powerpoint/2012/main">
         <p15:guide id="1" orient="horz" pos="13483">
           <p15:clr>
             <a:srgbClr val="A4A3A4"/>
@@ -3205,8 +3205,8 @@
         </p:nvSpPr>
         <p:spPr>
           <a:xfrm>
-            <a:off x="2270359" y="1218124"/>
-            <a:ext cx="25812484" cy="4344378"/>
+            <a:off x="2270359" y="971992"/>
+            <a:ext cx="25812484" cy="4590510"/>
           </a:xfrm>
           <a:prstGeom prst="roundRect">
             <a:avLst/>
@@ -3253,8 +3253,8 @@
         </p:nvSpPr>
         <p:spPr>
           <a:xfrm>
-            <a:off x="2270359" y="1435932"/>
-            <a:ext cx="25812484" cy="3908762"/>
+            <a:off x="2305253" y="1041160"/>
+            <a:ext cx="25812484" cy="4539704"/>
           </a:xfrm>
           <a:prstGeom prst="rect">
             <a:avLst/>
@@ -3320,38 +3320,138 @@
               <a:rPr lang="de-DE" sz="8000" dirty="0" err="1" smtClean="0"/>
               <a:t>devices</a:t>
             </a:r>
-            <a:endParaRPr lang="de-DE" sz="8000" dirty="0"/>
+            <a:endParaRPr lang="de-DE" sz="5400" dirty="0"/>
+          </a:p>
+          <a:p>
+            <a:pPr algn="ctr">
+              <a:spcAft>
+                <a:spcPts val="600"/>
+              </a:spcAft>
+            </a:pPr>
+            <a:r>
+              <a:rPr lang="de-DE" sz="4000" dirty="0"/>
+              <a:t>Sebastian Höfner</a:t>
+            </a:r>
+            <a:r>
+              <a:rPr lang="de-DE" sz="4000" baseline="30000" dirty="0"/>
+              <a:t>1</a:t>
+            </a:r>
+            <a:r>
+              <a:rPr lang="de-DE" sz="4000" dirty="0"/>
+              <a:t>, Andreas Schütze</a:t>
+            </a:r>
+            <a:r>
+              <a:rPr lang="de-DE" sz="4000" baseline="30000" dirty="0"/>
+              <a:t>1</a:t>
+            </a:r>
+            <a:r>
+              <a:rPr lang="de-DE" sz="4000" dirty="0"/>
+              <a:t>, Michael Hirth</a:t>
+            </a:r>
+            <a:r>
+              <a:rPr lang="de-DE" sz="4000" baseline="30000" dirty="0"/>
+              <a:t>2</a:t>
+            </a:r>
+            <a:r>
+              <a:rPr lang="de-DE" sz="4000" dirty="0"/>
+              <a:t>, Jochen Kuhn</a:t>
+            </a:r>
+            <a:r>
+              <a:rPr lang="de-DE" sz="4000" baseline="30000" dirty="0"/>
+              <a:t>2</a:t>
+            </a:r>
+            <a:r>
+              <a:rPr lang="de-DE" sz="4000" dirty="0"/>
+              <a:t>, Benjamin Brück</a:t>
+            </a:r>
+            <a:r>
+              <a:rPr lang="de-DE" sz="4000" baseline="30000" dirty="0"/>
+              <a:t>3</a:t>
+            </a:r>
           </a:p>
           <a:p>
             <a:pPr algn="ctr"/>
             <a:r>
-              <a:rPr lang="de-DE" sz="4400" dirty="0"/>
-              <a:t>Sebastian Höfner, Prof. Dr. Andreas Schütze</a:t>
-            </a:r>
+              <a:rPr lang="de-DE" sz="2800" baseline="30000" dirty="0" smtClean="0"/>
+              <a:t>1</a:t>
+            </a:r>
+            <a:r>
+              <a:rPr lang="de-DE" sz="2800" dirty="0" smtClean="0"/>
+              <a:t>Laboratory </a:t>
+            </a:r>
+            <a:r>
+              <a:rPr lang="de-DE" sz="2800" dirty="0" err="1" smtClean="0"/>
+              <a:t>for</a:t>
+            </a:r>
+            <a:r>
+              <a:rPr lang="de-DE" sz="2800" dirty="0" smtClean="0"/>
+              <a:t> Measurement Technology, Saarland University, Germany</a:t>
+            </a:r>
+            <a:endParaRPr lang="de-DE" sz="2800" dirty="0"/>
           </a:p>
           <a:p>
             <a:pPr algn="ctr"/>
             <a:r>
-              <a:rPr lang="de-DE" sz="4400" dirty="0" smtClean="0"/>
-              <a:t>Laboratory </a:t>
-            </a:r>
-            <a:r>
-              <a:rPr lang="de-DE" sz="4400" dirty="0" err="1" smtClean="0"/>
-              <a:t>for</a:t>
-            </a:r>
-            <a:r>
-              <a:rPr lang="de-DE" sz="4400" dirty="0" smtClean="0"/>
-              <a:t> Measurement Technology, Saarland University, </a:t>
-            </a:r>
-            <a:r>
-              <a:rPr lang="de-DE" sz="4400" dirty="0"/>
-              <a:t>Saarbrücken </a:t>
-            </a:r>
-            <a:r>
-              <a:rPr lang="de-DE" sz="4400" dirty="0" smtClean="0"/>
+              <a:rPr lang="de-DE" sz="2800" baseline="30000" dirty="0" smtClean="0"/>
+              <a:t>2</a:t>
+            </a:r>
+            <a:r>
+              <a:rPr lang="de-DE" sz="2800" dirty="0" smtClean="0"/>
+              <a:t>Department </a:t>
+            </a:r>
+            <a:r>
+              <a:rPr lang="de-DE" sz="2800" dirty="0" err="1" smtClean="0"/>
+              <a:t>Didactics</a:t>
+            </a:r>
+            <a:r>
+              <a:rPr lang="de-DE" sz="2800" dirty="0" smtClean="0"/>
+              <a:t> </a:t>
+            </a:r>
+            <a:r>
+              <a:rPr lang="de-DE" sz="2800" dirty="0" err="1" smtClean="0"/>
+              <a:t>of</a:t>
+            </a:r>
+            <a:r>
+              <a:rPr lang="de-DE" sz="2800" dirty="0" smtClean="0"/>
+              <a:t> </a:t>
+            </a:r>
+            <a:r>
+              <a:rPr lang="de-DE" sz="2800" dirty="0" err="1" smtClean="0"/>
+              <a:t>Physics</a:t>
+            </a:r>
+            <a:r>
+              <a:rPr lang="de-DE" sz="2800" dirty="0" smtClean="0"/>
+              <a:t>, Technical University </a:t>
+            </a:r>
+            <a:r>
+              <a:rPr lang="de-DE" sz="2800" dirty="0"/>
+              <a:t>Kaiserslautern, </a:t>
+            </a:r>
+            <a:r>
+              <a:rPr lang="de-DE" sz="2800" dirty="0" smtClean="0"/>
               <a:t>Germany</a:t>
             </a:r>
-            <a:endParaRPr lang="de-DE" sz="4000" dirty="0"/>
+            <a:endParaRPr lang="de-DE" sz="2400" dirty="0"/>
+          </a:p>
+          <a:p>
+            <a:pPr algn="ctr"/>
+            <a:r>
+              <a:rPr lang="de-DE" sz="2800" baseline="30000" dirty="0" smtClean="0"/>
+              <a:t>3</a:t>
+            </a:r>
+            <a:r>
+              <a:rPr lang="de-DE" sz="2800" dirty="0" smtClean="0"/>
+              <a:t>Student Research Center Saarlouis</a:t>
+            </a:r>
+            <a:r>
+              <a:rPr lang="de-DE" sz="2800" dirty="0"/>
+              <a:t>, </a:t>
+            </a:r>
+            <a:r>
+              <a:rPr lang="de-DE" sz="2800" dirty="0" smtClean="0"/>
+              <a:t>Germany</a:t>
+            </a:r>
+            <a:endParaRPr lang="de-DE" sz="3200" dirty="0"/>
           </a:p>
         </p:txBody>
       </p:sp>
@@ -5003,7 +5103,7 @@
           <p:cNvPr id="2" name="Rechteck 1">
             <a:extLst>
               <a:ext uri="{FF2B5EF4-FFF2-40B4-BE49-F238E27FC236}">
-                <a16:creationId xmlns:a16="http://schemas.microsoft.com/office/drawing/2014/main" xmlns="" id="{1880F7FF-10DF-4EE5-9B2D-9F2CB3806D10}"/>
+                <a16:creationId xmlns="" xmlns:a16="http://schemas.microsoft.com/office/drawing/2014/main" id="{1880F7FF-10DF-4EE5-9B2D-9F2CB3806D10}"/>
               </a:ext>
             </a:extLst>
           </p:cNvPr>
@@ -5093,7 +5193,7 @@
           <p:cNvPr id="3" name="Rechteck 2">
             <a:extLst>
               <a:ext uri="{FF2B5EF4-FFF2-40B4-BE49-F238E27FC236}">
-                <a16:creationId xmlns:a16="http://schemas.microsoft.com/office/drawing/2014/main" xmlns="" id="{AA1A539B-C529-443D-AC45-8861F749813F}"/>
+                <a16:creationId xmlns="" xmlns:a16="http://schemas.microsoft.com/office/drawing/2014/main" id="{AA1A539B-C529-443D-AC45-8861F749813F}"/>
               </a:ext>
             </a:extLst>
           </p:cNvPr>
@@ -5393,7 +5493,7 @@
           <p:cNvPr id="95" name="Rechteck 94">
             <a:extLst>
               <a:ext uri="{FF2B5EF4-FFF2-40B4-BE49-F238E27FC236}">
-                <a16:creationId xmlns:a16="http://schemas.microsoft.com/office/drawing/2014/main" xmlns="" id="{6E4C0A0D-F939-4597-BAC6-DEF83923F623}"/>
+                <a16:creationId xmlns="" xmlns:a16="http://schemas.microsoft.com/office/drawing/2014/main" id="{6E4C0A0D-F939-4597-BAC6-DEF83923F623}"/>
               </a:ext>
             </a:extLst>
           </p:cNvPr>
@@ -5608,11 +5708,7 @@
             </a:r>
             <a:r>
               <a:rPr lang="de-DE" sz="2000" i="1" dirty="0" smtClean="0"/>
-              <a:t> </a:t>
-            </a:r>
-            <a:r>
-              <a:rPr lang="de-DE" sz="2000" i="1" dirty="0" smtClean="0"/>
-              <a:t>Matter</a:t>
+              <a:t> Matter</a:t>
             </a:r>
             <a:endParaRPr lang="de-DE" sz="2400" i="1" dirty="0"/>
           </a:p>
@@ -5972,17 +6068,12 @@
             </a:r>
             <a:r>
               <a:rPr lang="en-US" sz="2000" dirty="0" smtClean="0"/>
-              <a:t>harmless</a:t>
-            </a:r>
-            <a:r>
-              <a:rPr lang="en-US" sz="2000" dirty="0" smtClean="0"/>
-              <a:t>. </a:t>
+              <a:t>harmless. </a:t>
             </a:r>
             <a:r>
               <a:rPr lang="en-US" sz="2000" dirty="0"/>
               <a:t>alternatives</a:t>
             </a:r>
-            <a:endParaRPr lang="en-US" sz="2000" dirty="0"/>
           </a:p>
           <a:p>
             <a:endParaRPr lang="de-DE" sz="2000" dirty="0"/>
@@ -5994,7 +6085,7 @@
           <p:cNvPr id="13" name="Rechteck 12">
             <a:extLst>
               <a:ext uri="{FF2B5EF4-FFF2-40B4-BE49-F238E27FC236}">
-                <a16:creationId xmlns:a16="http://schemas.microsoft.com/office/drawing/2014/main" xmlns="" id="{CAFC0BEF-CA38-4D02-BF61-346337F923BE}"/>
+                <a16:creationId xmlns="" xmlns:a16="http://schemas.microsoft.com/office/drawing/2014/main" id="{CAFC0BEF-CA38-4D02-BF61-346337F923BE}"/>
               </a:ext>
             </a:extLst>
           </p:cNvPr>
@@ -6278,7 +6369,7 @@
           <p:cNvPr id="105" name="Rechteck 104">
             <a:extLst>
               <a:ext uri="{FF2B5EF4-FFF2-40B4-BE49-F238E27FC236}">
-                <a16:creationId xmlns:a16="http://schemas.microsoft.com/office/drawing/2014/main" xmlns="" id="{47D597BE-B4D3-421F-9622-B242DCEA6693}"/>
+                <a16:creationId xmlns="" xmlns:a16="http://schemas.microsoft.com/office/drawing/2014/main" id="{47D597BE-B4D3-421F-9622-B242DCEA6693}"/>
               </a:ext>
             </a:extLst>
           </p:cNvPr>
@@ -6660,7 +6751,7 @@
           <p:cNvPr id="106" name="Rechteck 105">
             <a:extLst>
               <a:ext uri="{FF2B5EF4-FFF2-40B4-BE49-F238E27FC236}">
-                <a16:creationId xmlns:a16="http://schemas.microsoft.com/office/drawing/2014/main" xmlns="" id="{07E0B696-6DE7-41BB-8D69-079DAFAA4B80}"/>
+                <a16:creationId xmlns="" xmlns:a16="http://schemas.microsoft.com/office/drawing/2014/main" id="{07E0B696-6DE7-41BB-8D69-079DAFAA4B80}"/>
               </a:ext>
             </a:extLst>
           </p:cNvPr>
@@ -6816,7 +6907,7 @@
           <p:cNvPr id="14" name="Textfeld 13">
             <a:extLst>
               <a:ext uri="{FF2B5EF4-FFF2-40B4-BE49-F238E27FC236}">
-                <a16:creationId xmlns:a16="http://schemas.microsoft.com/office/drawing/2014/main" xmlns="" id="{4069B199-1ED7-44AE-9430-826F6929E0F6}"/>
+                <a16:creationId xmlns="" xmlns:a16="http://schemas.microsoft.com/office/drawing/2014/main" id="{4069B199-1ED7-44AE-9430-826F6929E0F6}"/>
               </a:ext>
             </a:extLst>
           </p:cNvPr>
@@ -7000,7 +7091,7 @@
           <p:cNvPr id="109" name="Rechteck 108">
             <a:extLst>
               <a:ext uri="{FF2B5EF4-FFF2-40B4-BE49-F238E27FC236}">
-                <a16:creationId xmlns:a16="http://schemas.microsoft.com/office/drawing/2014/main" xmlns="" id="{2C36DA58-1095-44B6-A237-A985CA82A382}"/>
+                <a16:creationId xmlns="" xmlns:a16="http://schemas.microsoft.com/office/drawing/2014/main" id="{2C36DA58-1095-44B6-A237-A985CA82A382}"/>
               </a:ext>
             </a:extLst>
           </p:cNvPr>
@@ -7230,7 +7321,7 @@
           <p:cNvPr id="115" name="Rechteck 114">
             <a:extLst>
               <a:ext uri="{FF2B5EF4-FFF2-40B4-BE49-F238E27FC236}">
-                <a16:creationId xmlns:a16="http://schemas.microsoft.com/office/drawing/2014/main" xmlns="" id="{43798406-D3EA-4F44-AA55-169441B05A33}"/>
+                <a16:creationId xmlns="" xmlns:a16="http://schemas.microsoft.com/office/drawing/2014/main" id="{43798406-D3EA-4F44-AA55-169441B05A33}"/>
               </a:ext>
             </a:extLst>
           </p:cNvPr>
@@ -7284,7 +7375,7 @@
           <p:cNvPr id="116" name="Rechteck 115">
             <a:extLst>
               <a:ext uri="{FF2B5EF4-FFF2-40B4-BE49-F238E27FC236}">
-                <a16:creationId xmlns:a16="http://schemas.microsoft.com/office/drawing/2014/main" xmlns="" id="{C09821F3-BC15-4F87-B341-EDE240728EEC}"/>
+                <a16:creationId xmlns="" xmlns:a16="http://schemas.microsoft.com/office/drawing/2014/main" id="{C09821F3-BC15-4F87-B341-EDE240728EEC}"/>
               </a:ext>
             </a:extLst>
           </p:cNvPr>
@@ -7338,7 +7429,7 @@
           <p:cNvPr id="20" name="Rechteck 19">
             <a:extLst>
               <a:ext uri="{FF2B5EF4-FFF2-40B4-BE49-F238E27FC236}">
-                <a16:creationId xmlns:a16="http://schemas.microsoft.com/office/drawing/2014/main" xmlns="" id="{4AA437C5-5A53-46AA-81A7-3D16E705D575}"/>
+                <a16:creationId xmlns="" xmlns:a16="http://schemas.microsoft.com/office/drawing/2014/main" id="{4AA437C5-5A53-46AA-81A7-3D16E705D575}"/>
               </a:ext>
             </a:extLst>
           </p:cNvPr>
